--- a/Презентация Проблема Отцов и дверей.pptx
+++ b/Презентация Проблема Отцов и дверей.pptx
@@ -5,10 +5,11 @@
     <p:sldMasterId id="2147483648" r:id="rId1"/>
   </p:sldMasterIdLst>
   <p:notesMasterIdLst>
-    <p:notesMasterId r:id="rId3"/>
+    <p:notesMasterId r:id="rId4"/>
   </p:notesMasterIdLst>
   <p:sldIdLst>
     <p:sldId id="256" r:id="rId2"/>
+    <p:sldId id="257" r:id="rId3"/>
   </p:sldIdLst>
   <p:sldSz cx="9144000" cy="5715000" type="screen16x10"/>
   <p:notesSz cx="6858000" cy="9144000"/>
@@ -192,7 +193,7 @@
           <a:p>
             <a:fld id="{D464FD5D-FFE0-481B-A890-C956F0083654}" type="datetimeFigureOut">
               <a:rPr lang="ru-RU" smtClean="0"/>
-              <a:t>15.03.2025</a:t>
+              <a:t>18.03.2025</a:t>
             </a:fld>
             <a:endParaRPr lang="ru-RU"/>
           </a:p>
@@ -641,7 +642,7 @@
           <a:p>
             <a:fld id="{B4C71EC6-210F-42DE-9C53-41977AD35B3D}" type="datetimeFigureOut">
               <a:rPr lang="ru-RU" smtClean="0"/>
-              <a:t>15.03.2025</a:t>
+              <a:t>18.03.2025</a:t>
             </a:fld>
             <a:endParaRPr lang="ru-RU"/>
           </a:p>
@@ -806,7 +807,7 @@
           <a:p>
             <a:fld id="{B4C71EC6-210F-42DE-9C53-41977AD35B3D}" type="datetimeFigureOut">
               <a:rPr lang="ru-RU" smtClean="0"/>
-              <a:t>15.03.2025</a:t>
+              <a:t>18.03.2025</a:t>
             </a:fld>
             <a:endParaRPr lang="ru-RU"/>
           </a:p>
@@ -981,7 +982,7 @@
           <a:p>
             <a:fld id="{B4C71EC6-210F-42DE-9C53-41977AD35B3D}" type="datetimeFigureOut">
               <a:rPr lang="ru-RU" smtClean="0"/>
-              <a:t>15.03.2025</a:t>
+              <a:t>18.03.2025</a:t>
             </a:fld>
             <a:endParaRPr lang="ru-RU"/>
           </a:p>
@@ -1146,7 +1147,7 @@
           <a:p>
             <a:fld id="{B4C71EC6-210F-42DE-9C53-41977AD35B3D}" type="datetimeFigureOut">
               <a:rPr lang="ru-RU" smtClean="0"/>
-              <a:t>15.03.2025</a:t>
+              <a:t>18.03.2025</a:t>
             </a:fld>
             <a:endParaRPr lang="ru-RU"/>
           </a:p>
@@ -1387,7 +1388,7 @@
           <a:p>
             <a:fld id="{B4C71EC6-210F-42DE-9C53-41977AD35B3D}" type="datetimeFigureOut">
               <a:rPr lang="ru-RU" smtClean="0"/>
-              <a:t>15.03.2025</a:t>
+              <a:t>18.03.2025</a:t>
             </a:fld>
             <a:endParaRPr lang="ru-RU"/>
           </a:p>
@@ -1670,7 +1671,7 @@
           <a:p>
             <a:fld id="{B4C71EC6-210F-42DE-9C53-41977AD35B3D}" type="datetimeFigureOut">
               <a:rPr lang="ru-RU" smtClean="0"/>
-              <a:t>15.03.2025</a:t>
+              <a:t>18.03.2025</a:t>
             </a:fld>
             <a:endParaRPr lang="ru-RU"/>
           </a:p>
@@ -2087,7 +2088,7 @@
           <a:p>
             <a:fld id="{B4C71EC6-210F-42DE-9C53-41977AD35B3D}" type="datetimeFigureOut">
               <a:rPr lang="ru-RU" smtClean="0"/>
-              <a:t>15.03.2025</a:t>
+              <a:t>18.03.2025</a:t>
             </a:fld>
             <a:endParaRPr lang="ru-RU"/>
           </a:p>
@@ -2200,7 +2201,7 @@
           <a:p>
             <a:fld id="{B4C71EC6-210F-42DE-9C53-41977AD35B3D}" type="datetimeFigureOut">
               <a:rPr lang="ru-RU" smtClean="0"/>
-              <a:t>15.03.2025</a:t>
+              <a:t>18.03.2025</a:t>
             </a:fld>
             <a:endParaRPr lang="ru-RU"/>
           </a:p>
@@ -2290,7 +2291,7 @@
           <a:p>
             <a:fld id="{B4C71EC6-210F-42DE-9C53-41977AD35B3D}" type="datetimeFigureOut">
               <a:rPr lang="ru-RU" smtClean="0"/>
-              <a:t>15.03.2025</a:t>
+              <a:t>18.03.2025</a:t>
             </a:fld>
             <a:endParaRPr lang="ru-RU"/>
           </a:p>
@@ -2562,7 +2563,7 @@
           <a:p>
             <a:fld id="{B4C71EC6-210F-42DE-9C53-41977AD35B3D}" type="datetimeFigureOut">
               <a:rPr lang="ru-RU" smtClean="0"/>
-              <a:t>15.03.2025</a:t>
+              <a:t>18.03.2025</a:t>
             </a:fld>
             <a:endParaRPr lang="ru-RU"/>
           </a:p>
@@ -2810,7 +2811,7 @@
           <a:p>
             <a:fld id="{B4C71EC6-210F-42DE-9C53-41977AD35B3D}" type="datetimeFigureOut">
               <a:rPr lang="ru-RU" smtClean="0"/>
-              <a:t>15.03.2025</a:t>
+              <a:t>18.03.2025</a:t>
             </a:fld>
             <a:endParaRPr lang="ru-RU"/>
           </a:p>
@@ -3018,7 +3019,7 @@
           <a:p>
             <a:fld id="{B4C71EC6-210F-42DE-9C53-41977AD35B3D}" type="datetimeFigureOut">
               <a:rPr lang="ru-RU" smtClean="0"/>
-              <a:t>15.03.2025</a:t>
+              <a:t>18.03.2025</a:t>
             </a:fld>
             <a:endParaRPr lang="ru-RU"/>
           </a:p>
@@ -3396,8 +3397,8 @@
         </p:nvSpPr>
         <p:spPr>
           <a:xfrm>
-            <a:off x="2051720" y="897895"/>
-            <a:ext cx="4248472" cy="400110"/>
+            <a:off x="2447764" y="865041"/>
+            <a:ext cx="4248472" cy="1077218"/>
           </a:xfrm>
           <a:prstGeom prst="rect">
             <a:avLst/>
@@ -3412,8 +3413,15 @@
           <a:p>
             <a:pPr algn="ctr"/>
             <a:r>
-              <a:rPr lang="ru-RU" sz="2000" dirty="0" smtClean="0"/>
-              <a:t>Проблема «Отцов и дверей»</a:t>
+              <a:rPr lang="ru-RU" sz="3200" dirty="0" smtClean="0"/>
+              <a:t>Проблема</a:t>
+            </a:r>
+          </a:p>
+          <a:p>
+            <a:pPr algn="ctr"/>
+            <a:r>
+              <a:rPr lang="ru-RU" sz="3200" dirty="0" smtClean="0"/>
+              <a:t> «Отцов и дверей»</a:t>
             </a:r>
           </a:p>
         </p:txBody>
@@ -3426,7 +3434,7 @@
         </p:nvSpPr>
         <p:spPr>
           <a:xfrm>
-            <a:off x="2051720" y="30777"/>
+            <a:off x="2447764" y="30777"/>
             <a:ext cx="4248472" cy="261610"/>
           </a:xfrm>
           <a:prstGeom prst="rect">
@@ -3445,6 +3453,66 @@
               <a:rPr lang="ru-RU" sz="1100" dirty="0" smtClean="0"/>
               <a:t>МБОУ Лицей №15</a:t>
             </a:r>
+          </a:p>
+        </p:txBody>
+      </p:sp>
+      <p:sp>
+        <p:nvSpPr>
+          <p:cNvPr id="4" name="TextBox 3"/>
+          <p:cNvSpPr txBox="1"/>
+          <p:nvPr/>
+        </p:nvSpPr>
+        <p:spPr>
+          <a:xfrm>
+            <a:off x="107504" y="5332194"/>
+            <a:ext cx="4248472" cy="261610"/>
+          </a:xfrm>
+          <a:prstGeom prst="rect">
+            <a:avLst/>
+          </a:prstGeom>
+          <a:noFill/>
+        </p:spPr>
+        <p:txBody>
+          <a:bodyPr wrap="square" rtlCol="0">
+            <a:spAutoFit/>
+          </a:bodyPr>
+          <a:lstStyle/>
+          <a:p>
+            <a:r>
+              <a:rPr lang="ru-RU" sz="1100" dirty="0" smtClean="0"/>
+              <a:t>Петров Андрей Владимирович</a:t>
+            </a:r>
+          </a:p>
+        </p:txBody>
+      </p:sp>
+      <p:sp>
+        <p:nvSpPr>
+          <p:cNvPr id="5" name="TextBox 4"/>
+          <p:cNvSpPr txBox="1"/>
+          <p:nvPr/>
+        </p:nvSpPr>
+        <p:spPr>
+          <a:xfrm>
+            <a:off x="2231740" y="2501815"/>
+            <a:ext cx="4860540" cy="584775"/>
+          </a:xfrm>
+          <a:prstGeom prst="rect">
+            <a:avLst/>
+          </a:prstGeom>
+          <a:noFill/>
+        </p:spPr>
+        <p:txBody>
+          <a:bodyPr wrap="square" rtlCol="0">
+            <a:spAutoFit/>
+          </a:bodyPr>
+          <a:lstStyle/>
+          <a:p>
+            <a:pPr algn="ctr"/>
+            <a:r>
+              <a:rPr lang="ru-RU" sz="1600" dirty="0" smtClean="0"/>
+              <a:t>Люди часто не закрывают за собой дверь, по этому приходится вставать и закрывать ее</a:t>
+            </a:r>
+            <a:endParaRPr lang="ru-RU" sz="1600" dirty="0"/>
           </a:p>
         </p:txBody>
       </p:sp>
@@ -3465,6 +3533,123 @@
       </p:par>
     </p:tnLst>
   </p:timing>
+</p:sld>
+</file>
+
+<file path=ppt/slides/slide2.xml><?xml version="1.0" encoding="utf-8"?>
+<p:sld xmlns:a="http://schemas.openxmlformats.org/drawingml/2006/main" xmlns:r="http://schemas.openxmlformats.org/officeDocument/2006/relationships" xmlns:p="http://schemas.openxmlformats.org/presentationml/2006/main">
+  <p:cSld>
+    <p:spTree>
+      <p:nvGrpSpPr>
+        <p:cNvPr id="1" name=""/>
+        <p:cNvGrpSpPr/>
+        <p:nvPr/>
+      </p:nvGrpSpPr>
+      <p:grpSpPr>
+        <a:xfrm>
+          <a:off x="0" y="0"/>
+          <a:ext cx="0" cy="0"/>
+          <a:chOff x="0" y="0"/>
+          <a:chExt cx="0" cy="0"/>
+        </a:xfrm>
+      </p:grpSpPr>
+      <p:sp>
+        <p:nvSpPr>
+          <p:cNvPr id="2" name="TextBox 1"/>
+          <p:cNvSpPr txBox="1"/>
+          <p:nvPr/>
+        </p:nvSpPr>
+        <p:spPr>
+          <a:xfrm>
+            <a:off x="2699792" y="697260"/>
+            <a:ext cx="3888432" cy="923330"/>
+          </a:xfrm>
+          <a:prstGeom prst="rect">
+            <a:avLst/>
+          </a:prstGeom>
+          <a:noFill/>
+        </p:spPr>
+        <p:txBody>
+          <a:bodyPr wrap="square" rtlCol="0">
+            <a:spAutoFit/>
+          </a:bodyPr>
+          <a:lstStyle/>
+          <a:p>
+            <a:r>
+              <a:rPr lang="ru-RU" dirty="0"/>
+              <a:t>Проблема: Оставление открытой двери людьми старшего поколения</a:t>
+            </a:r>
+          </a:p>
+        </p:txBody>
+      </p:sp>
+      <p:sp>
+        <p:nvSpPr>
+          <p:cNvPr id="3" name="Прямоугольник 2"/>
+          <p:cNvSpPr/>
+          <p:nvPr/>
+        </p:nvSpPr>
+        <p:spPr>
+          <a:xfrm>
+            <a:off x="2286000" y="2534335"/>
+            <a:ext cx="4572000" cy="646331"/>
+          </a:xfrm>
+          <a:prstGeom prst="rect">
+            <a:avLst/>
+          </a:prstGeom>
+        </p:spPr>
+        <p:txBody>
+          <a:bodyPr>
+            <a:spAutoFit/>
+          </a:bodyPr>
+          <a:lstStyle/>
+          <a:p>
+            <a:r>
+              <a:rPr lang="ru-RU" dirty="0"/>
+              <a:t>Цель: Нахождение лучших вариантов и способов закрытия двери</a:t>
+            </a:r>
+          </a:p>
+        </p:txBody>
+      </p:sp>
+      <p:sp>
+        <p:nvSpPr>
+          <p:cNvPr id="4" name="TextBox 3"/>
+          <p:cNvSpPr txBox="1"/>
+          <p:nvPr/>
+        </p:nvSpPr>
+        <p:spPr>
+          <a:xfrm>
+            <a:off x="1547664" y="3577580"/>
+            <a:ext cx="3456384" cy="369332"/>
+          </a:xfrm>
+          <a:prstGeom prst="rect">
+            <a:avLst/>
+          </a:prstGeom>
+          <a:noFill/>
+        </p:spPr>
+        <p:txBody>
+          <a:bodyPr wrap="square" rtlCol="0">
+            <a:spAutoFit/>
+          </a:bodyPr>
+          <a:lstStyle/>
+          <a:p>
+            <a:r>
+              <a:rPr lang="ru-RU" dirty="0" smtClean="0"/>
+              <a:t>Множество задач</a:t>
+            </a:r>
+            <a:endParaRPr lang="ru-RU" dirty="0"/>
+          </a:p>
+        </p:txBody>
+      </p:sp>
+    </p:spTree>
+    <p:extLst>
+      <p:ext uri="{BB962C8B-B14F-4D97-AF65-F5344CB8AC3E}">
+        <p14:creationId xmlns:p14="http://schemas.microsoft.com/office/powerpoint/2010/main" val="2557064691"/>
+      </p:ext>
+    </p:extLst>
+  </p:cSld>
+  <p:clrMapOvr>
+    <a:masterClrMapping/>
+  </p:clrMapOvr>
 </p:sld>
 </file>
 

--- a/Презентация Проблема Отцов и дверей.pptx
+++ b/Презентация Проблема Отцов и дверей.pptx
@@ -5,11 +5,15 @@
     <p:sldMasterId id="2147483648" r:id="rId1"/>
   </p:sldMasterIdLst>
   <p:notesMasterIdLst>
-    <p:notesMasterId r:id="rId4"/>
+    <p:notesMasterId r:id="rId8"/>
   </p:notesMasterIdLst>
   <p:sldIdLst>
     <p:sldId id="256" r:id="rId2"/>
     <p:sldId id="257" r:id="rId3"/>
+    <p:sldId id="258" r:id="rId4"/>
+    <p:sldId id="259" r:id="rId5"/>
+    <p:sldId id="260" r:id="rId6"/>
+    <p:sldId id="261" r:id="rId7"/>
   </p:sldIdLst>
   <p:sldSz cx="9144000" cy="5715000" type="screen16x10"/>
   <p:notesSz cx="6858000" cy="9144000"/>
@@ -193,7 +197,7 @@
           <a:p>
             <a:fld id="{D464FD5D-FFE0-481B-A890-C956F0083654}" type="datetimeFigureOut">
               <a:rPr lang="ru-RU" smtClean="0"/>
-              <a:t>18.03.2025</a:t>
+              <a:t>19.03.2025</a:t>
             </a:fld>
             <a:endParaRPr lang="ru-RU"/>
           </a:p>
@@ -642,7 +646,7 @@
           <a:p>
             <a:fld id="{B4C71EC6-210F-42DE-9C53-41977AD35B3D}" type="datetimeFigureOut">
               <a:rPr lang="ru-RU" smtClean="0"/>
-              <a:t>18.03.2025</a:t>
+              <a:t>19.03.2025</a:t>
             </a:fld>
             <a:endParaRPr lang="ru-RU"/>
           </a:p>
@@ -807,7 +811,7 @@
           <a:p>
             <a:fld id="{B4C71EC6-210F-42DE-9C53-41977AD35B3D}" type="datetimeFigureOut">
               <a:rPr lang="ru-RU" smtClean="0"/>
-              <a:t>18.03.2025</a:t>
+              <a:t>19.03.2025</a:t>
             </a:fld>
             <a:endParaRPr lang="ru-RU"/>
           </a:p>
@@ -982,7 +986,7 @@
           <a:p>
             <a:fld id="{B4C71EC6-210F-42DE-9C53-41977AD35B3D}" type="datetimeFigureOut">
               <a:rPr lang="ru-RU" smtClean="0"/>
-              <a:t>18.03.2025</a:t>
+              <a:t>19.03.2025</a:t>
             </a:fld>
             <a:endParaRPr lang="ru-RU"/>
           </a:p>
@@ -1147,7 +1151,7 @@
           <a:p>
             <a:fld id="{B4C71EC6-210F-42DE-9C53-41977AD35B3D}" type="datetimeFigureOut">
               <a:rPr lang="ru-RU" smtClean="0"/>
-              <a:t>18.03.2025</a:t>
+              <a:t>19.03.2025</a:t>
             </a:fld>
             <a:endParaRPr lang="ru-RU"/>
           </a:p>
@@ -1388,7 +1392,7 @@
           <a:p>
             <a:fld id="{B4C71EC6-210F-42DE-9C53-41977AD35B3D}" type="datetimeFigureOut">
               <a:rPr lang="ru-RU" smtClean="0"/>
-              <a:t>18.03.2025</a:t>
+              <a:t>19.03.2025</a:t>
             </a:fld>
             <a:endParaRPr lang="ru-RU"/>
           </a:p>
@@ -1671,7 +1675,7 @@
           <a:p>
             <a:fld id="{B4C71EC6-210F-42DE-9C53-41977AD35B3D}" type="datetimeFigureOut">
               <a:rPr lang="ru-RU" smtClean="0"/>
-              <a:t>18.03.2025</a:t>
+              <a:t>19.03.2025</a:t>
             </a:fld>
             <a:endParaRPr lang="ru-RU"/>
           </a:p>
@@ -2088,7 +2092,7 @@
           <a:p>
             <a:fld id="{B4C71EC6-210F-42DE-9C53-41977AD35B3D}" type="datetimeFigureOut">
               <a:rPr lang="ru-RU" smtClean="0"/>
-              <a:t>18.03.2025</a:t>
+              <a:t>19.03.2025</a:t>
             </a:fld>
             <a:endParaRPr lang="ru-RU"/>
           </a:p>
@@ -2201,7 +2205,7 @@
           <a:p>
             <a:fld id="{B4C71EC6-210F-42DE-9C53-41977AD35B3D}" type="datetimeFigureOut">
               <a:rPr lang="ru-RU" smtClean="0"/>
-              <a:t>18.03.2025</a:t>
+              <a:t>19.03.2025</a:t>
             </a:fld>
             <a:endParaRPr lang="ru-RU"/>
           </a:p>
@@ -2291,7 +2295,7 @@
           <a:p>
             <a:fld id="{B4C71EC6-210F-42DE-9C53-41977AD35B3D}" type="datetimeFigureOut">
               <a:rPr lang="ru-RU" smtClean="0"/>
-              <a:t>18.03.2025</a:t>
+              <a:t>19.03.2025</a:t>
             </a:fld>
             <a:endParaRPr lang="ru-RU"/>
           </a:p>
@@ -2563,7 +2567,7 @@
           <a:p>
             <a:fld id="{B4C71EC6-210F-42DE-9C53-41977AD35B3D}" type="datetimeFigureOut">
               <a:rPr lang="ru-RU" smtClean="0"/>
-              <a:t>18.03.2025</a:t>
+              <a:t>19.03.2025</a:t>
             </a:fld>
             <a:endParaRPr lang="ru-RU"/>
           </a:p>
@@ -2811,7 +2815,7 @@
           <a:p>
             <a:fld id="{B4C71EC6-210F-42DE-9C53-41977AD35B3D}" type="datetimeFigureOut">
               <a:rPr lang="ru-RU" smtClean="0"/>
-              <a:t>18.03.2025</a:t>
+              <a:t>19.03.2025</a:t>
             </a:fld>
             <a:endParaRPr lang="ru-RU"/>
           </a:p>
@@ -2871,9 +2875,14 @@
 <p:sldMaster xmlns:a="http://schemas.openxmlformats.org/drawingml/2006/main" xmlns:r="http://schemas.openxmlformats.org/officeDocument/2006/relationships" xmlns:p="http://schemas.openxmlformats.org/presentationml/2006/main">
   <p:cSld>
     <p:bg>
-      <p:bgRef idx="1001">
-        <a:schemeClr val="bg1"/>
-      </p:bgRef>
+      <p:bgPr>
+        <a:solidFill>
+          <a:schemeClr val="bg1">
+            <a:lumMod val="95000"/>
+          </a:schemeClr>
+        </a:solidFill>
+        <a:effectLst/>
+      </p:bgPr>
     </p:bg>
     <p:spTree>
       <p:nvGrpSpPr>
@@ -3019,7 +3028,7 @@
           <a:p>
             <a:fld id="{B4C71EC6-210F-42DE-9C53-41977AD35B3D}" type="datetimeFigureOut">
               <a:rPr lang="ru-RU" smtClean="0"/>
-              <a:t>18.03.2025</a:t>
+              <a:t>19.03.2025</a:t>
             </a:fld>
             <a:endParaRPr lang="ru-RU"/>
           </a:p>
@@ -3397,8 +3406,8 @@
         </p:nvSpPr>
         <p:spPr>
           <a:xfrm>
-            <a:off x="2447764" y="865041"/>
-            <a:ext cx="4248472" cy="1077218"/>
+            <a:off x="2114727" y="1272028"/>
+            <a:ext cx="4914546" cy="1323439"/>
           </a:xfrm>
           <a:prstGeom prst="rect">
             <a:avLst/>
@@ -3413,15 +3422,20 @@
           <a:p>
             <a:pPr algn="ctr"/>
             <a:r>
-              <a:rPr lang="ru-RU" sz="3200" dirty="0" smtClean="0"/>
+              <a:rPr lang="ru-RU" sz="4000" b="1" dirty="0" smtClean="0"/>
               <a:t>Проблема</a:t>
             </a:r>
+            <a:endParaRPr lang="en-US" sz="4000" b="1" dirty="0" smtClean="0"/>
           </a:p>
           <a:p>
             <a:pPr algn="ctr"/>
             <a:r>
-              <a:rPr lang="ru-RU" sz="3200" dirty="0" smtClean="0"/>
-              <a:t> «Отцов и дверей»</a:t>
+              <a:rPr lang="ru-RU" sz="4000" b="1" dirty="0" smtClean="0"/>
+              <a:t>«Отцов </a:t>
+            </a:r>
+            <a:r>
+              <a:rPr lang="ru-RU" sz="4000" b="1" dirty="0" smtClean="0"/>
+              <a:t>и дверей»</a:t>
             </a:r>
           </a:p>
         </p:txBody>
@@ -3493,7 +3507,7 @@
         </p:nvSpPr>
         <p:spPr>
           <a:xfrm>
-            <a:off x="2231740" y="2501815"/>
+            <a:off x="2141730" y="3217540"/>
             <a:ext cx="4860540" cy="584775"/>
           </a:xfrm>
           <a:prstGeom prst="rect">
@@ -3510,9 +3524,106 @@
             <a:pPr algn="ctr"/>
             <a:r>
               <a:rPr lang="ru-RU" sz="1600" dirty="0" smtClean="0"/>
-              <a:t>Люди часто не закрывают за собой дверь, по этому приходится вставать и закрывать ее</a:t>
+              <a:t>Люди часто не закрывают за собой дверь, </a:t>
+            </a:r>
+            <a:r>
+              <a:rPr lang="ru-RU" sz="1600" dirty="0" smtClean="0"/>
+              <a:t>поэтому </a:t>
+            </a:r>
+            <a:r>
+              <a:rPr lang="ru-RU" sz="1600" dirty="0" smtClean="0"/>
+              <a:t>приходится вставать и закрывать ее</a:t>
             </a:r>
             <a:endParaRPr lang="ru-RU" sz="1600" dirty="0"/>
+          </a:p>
+        </p:txBody>
+      </p:sp>
+      <p:sp>
+        <p:nvSpPr>
+          <p:cNvPr id="6" name="Прямоугольник 5"/>
+          <p:cNvSpPr/>
+          <p:nvPr/>
+        </p:nvSpPr>
+        <p:spPr>
+          <a:xfrm>
+            <a:off x="2114728" y="2739236"/>
+            <a:ext cx="4914546" cy="138873"/>
+          </a:xfrm>
+          <a:prstGeom prst="rect">
+            <a:avLst/>
+          </a:prstGeom>
+          <a:ln>
+            <a:noFill/>
+          </a:ln>
+        </p:spPr>
+        <p:style>
+          <a:lnRef idx="2">
+            <a:schemeClr val="accent3">
+              <a:shade val="50000"/>
+            </a:schemeClr>
+          </a:lnRef>
+          <a:fillRef idx="1">
+            <a:schemeClr val="accent3"/>
+          </a:fillRef>
+          <a:effectRef idx="0">
+            <a:schemeClr val="accent3"/>
+          </a:effectRef>
+          <a:fontRef idx="minor">
+            <a:schemeClr val="lt1"/>
+          </a:fontRef>
+        </p:style>
+        <p:txBody>
+          <a:bodyPr rtlCol="0" anchor="ctr"/>
+          <a:lstStyle/>
+          <a:p>
+            <a:pPr algn="ctr"/>
+            <a:endParaRPr lang="ru-RU"/>
+          </a:p>
+        </p:txBody>
+      </p:sp>
+      <p:sp>
+        <p:nvSpPr>
+          <p:cNvPr id="7" name="Прямоугольник 6"/>
+          <p:cNvSpPr/>
+          <p:nvPr/>
+        </p:nvSpPr>
+        <p:spPr>
+          <a:xfrm>
+            <a:off x="2114728" y="2880207"/>
+            <a:ext cx="4914546" cy="138873"/>
+          </a:xfrm>
+          <a:prstGeom prst="rect">
+            <a:avLst/>
+          </a:prstGeom>
+          <a:solidFill>
+            <a:schemeClr val="accent1"/>
+          </a:solidFill>
+          <a:ln>
+            <a:noFill/>
+          </a:ln>
+        </p:spPr>
+        <p:style>
+          <a:lnRef idx="2">
+            <a:schemeClr val="accent3">
+              <a:shade val="50000"/>
+            </a:schemeClr>
+          </a:lnRef>
+          <a:fillRef idx="1">
+            <a:schemeClr val="accent3"/>
+          </a:fillRef>
+          <a:effectRef idx="0">
+            <a:schemeClr val="accent3"/>
+          </a:effectRef>
+          <a:fontRef idx="minor">
+            <a:schemeClr val="lt1"/>
+          </a:fontRef>
+        </p:style>
+        <p:txBody>
+          <a:bodyPr rtlCol="0" anchor="ctr"/>
+          <a:lstStyle/>
+          <a:p>
+            <a:pPr algn="ctr"/>
+            <a:endParaRPr lang="ru-RU" dirty="0"/>
           </a:p>
         </p:txBody>
       </p:sp>
@@ -3555,71 +3666,122 @@
       </p:grpSpPr>
       <p:sp>
         <p:nvSpPr>
-          <p:cNvPr id="2" name="TextBox 1"/>
-          <p:cNvSpPr txBox="1"/>
+          <p:cNvPr id="9" name="Прямоугольник 8"/>
+          <p:cNvSpPr/>
           <p:nvPr/>
         </p:nvSpPr>
         <p:spPr>
           <a:xfrm>
-            <a:off x="2699792" y="697260"/>
-            <a:ext cx="3888432" cy="923330"/>
+            <a:off x="0" y="4297660"/>
+            <a:ext cx="9144000" cy="1417340"/>
+          </a:xfrm>
+          <a:prstGeom prst="rect">
+            <a:avLst/>
+          </a:prstGeom>
+          <a:solidFill>
+            <a:schemeClr val="accent1">
+              <a:lumMod val="50000"/>
+            </a:schemeClr>
+          </a:solidFill>
+          <a:ln>
+            <a:noFill/>
+          </a:ln>
+        </p:spPr>
+        <p:style>
+          <a:lnRef idx="2">
+            <a:schemeClr val="accent1">
+              <a:shade val="50000"/>
+            </a:schemeClr>
+          </a:lnRef>
+          <a:fillRef idx="1">
+            <a:schemeClr val="accent1"/>
+          </a:fillRef>
+          <a:effectRef idx="0">
+            <a:schemeClr val="accent1"/>
+          </a:effectRef>
+          <a:fontRef idx="minor">
+            <a:schemeClr val="lt1"/>
+          </a:fontRef>
+        </p:style>
+        <p:txBody>
+          <a:bodyPr rtlCol="0" anchor="ctr"/>
+          <a:lstStyle/>
+          <a:p>
+            <a:pPr algn="ctr"/>
+            <a:endParaRPr lang="ru-RU"/>
+          </a:p>
+        </p:txBody>
+      </p:sp>
+      <p:pic>
+        <p:nvPicPr>
+          <p:cNvPr id="3074" name="Picture 2" descr="C:\Users\Compaq\Downloads\2150172116.jpg"/>
+          <p:cNvPicPr>
+            <a:picLocks noChangeAspect="1" noChangeArrowheads="1"/>
+          </p:cNvPicPr>
+          <p:nvPr/>
+        </p:nvPicPr>
+        <p:blipFill rotWithShape="1">
+          <a:blip r:embed="rId2">
+            <a:duotone>
+              <a:prstClr val="black"/>
+              <a:schemeClr val="bg1">
+                <a:tint val="45000"/>
+                <a:satMod val="400000"/>
+              </a:schemeClr>
+            </a:duotone>
+            <a:extLst>
+              <a:ext uri="{BEBA8EAE-BF5A-486C-A8C5-ECC9F3942E4B}">
+                <a14:imgProps xmlns:a14="http://schemas.microsoft.com/office/drawing/2010/main">
+                  <a14:imgLayer r:embed="rId3">
+                    <a14:imgEffect>
+                      <a14:backgroundRemoval t="10000" b="99600" l="10000" r="90000">
+                        <a14:foregroundMark x1="65200" y1="29800" x2="82200" y2="28500"/>
+                        <a14:foregroundMark x1="79067" y1="68100" x2="61333" y2="99600"/>
+                        <a14:foregroundMark x1="84333" y1="24200" x2="84000" y2="75100"/>
+                        <a14:backgroundMark x1="58133" y1="26500" x2="45133" y2="64000"/>
+                      </a14:backgroundRemoval>
+                    </a14:imgEffect>
+                  </a14:imgLayer>
+                </a14:imgProps>
+              </a:ext>
+              <a:ext uri="{28A0092B-C50C-407E-A947-70E740481C1C}">
+                <a14:useLocalDpi xmlns:a14="http://schemas.microsoft.com/office/drawing/2010/main" val="0"/>
+              </a:ext>
+            </a:extLst>
+          </a:blip>
+          <a:srcRect l="33162" t="21796" r="14430" b="13135"/>
+          <a:stretch/>
+        </p:blipFill>
+        <p:spPr bwMode="auto">
+          <a:xfrm>
+            <a:off x="2908301" y="732393"/>
+            <a:ext cx="6019800" cy="4982607"/>
           </a:xfrm>
           <a:prstGeom prst="rect">
             <a:avLst/>
           </a:prstGeom>
           <a:noFill/>
-        </p:spPr>
-        <p:txBody>
-          <a:bodyPr wrap="square" rtlCol="0">
-            <a:spAutoFit/>
-          </a:bodyPr>
-          <a:lstStyle/>
-          <a:p>
-            <a:r>
-              <a:rPr lang="ru-RU" dirty="0"/>
-              <a:t>Проблема: Оставление открытой двери людьми старшего поколения</a:t>
-            </a:r>
-          </a:p>
-        </p:txBody>
-      </p:sp>
-      <p:sp>
-        <p:nvSpPr>
-          <p:cNvPr id="3" name="Прямоугольник 2"/>
-          <p:cNvSpPr/>
-          <p:nvPr/>
-        </p:nvSpPr>
-        <p:spPr>
-          <a:xfrm>
-            <a:off x="2286000" y="2534335"/>
-            <a:ext cx="4572000" cy="646331"/>
-          </a:xfrm>
-          <a:prstGeom prst="rect">
-            <a:avLst/>
-          </a:prstGeom>
-        </p:spPr>
-        <p:txBody>
-          <a:bodyPr>
-            <a:spAutoFit/>
-          </a:bodyPr>
-          <a:lstStyle/>
-          <a:p>
-            <a:r>
-              <a:rPr lang="ru-RU" dirty="0"/>
-              <a:t>Цель: Нахождение лучших вариантов и способов закрытия двери</a:t>
-            </a:r>
-          </a:p>
-        </p:txBody>
-      </p:sp>
-      <p:sp>
-        <p:nvSpPr>
-          <p:cNvPr id="4" name="TextBox 3"/>
+          <a:extLst>
+            <a:ext uri="{909E8E84-426E-40DD-AFC4-6F175D3DCCD1}">
+              <a14:hiddenFill xmlns:a14="http://schemas.microsoft.com/office/drawing/2010/main">
+                <a:solidFill>
+                  <a:srgbClr val="FFFFFF"/>
+                </a:solidFill>
+              </a14:hiddenFill>
+            </a:ext>
+          </a:extLst>
+        </p:spPr>
+      </p:pic>
+      <p:sp>
+        <p:nvSpPr>
+          <p:cNvPr id="2" name="TextBox 1"/>
           <p:cNvSpPr txBox="1"/>
           <p:nvPr/>
         </p:nvSpPr>
         <p:spPr>
           <a:xfrm>
-            <a:off x="1547664" y="3577580"/>
-            <a:ext cx="3456384" cy="369332"/>
+            <a:off x="323528" y="1142248"/>
+            <a:ext cx="4929282" cy="646331"/>
           </a:xfrm>
           <a:prstGeom prst="rect">
             <a:avLst/>
@@ -3633,10 +3795,157 @@
           <a:lstStyle/>
           <a:p>
             <a:r>
+              <a:rPr lang="ru-RU" dirty="0"/>
+              <a:t>Проблема: Оставление открытой двери людьми старшего поколения</a:t>
+            </a:r>
+          </a:p>
+        </p:txBody>
+      </p:sp>
+      <p:sp>
+        <p:nvSpPr>
+          <p:cNvPr id="3" name="Прямоугольник 2"/>
+          <p:cNvSpPr/>
+          <p:nvPr/>
+        </p:nvSpPr>
+        <p:spPr>
+          <a:xfrm>
+            <a:off x="323528" y="2114356"/>
+            <a:ext cx="4929282" cy="646331"/>
+          </a:xfrm>
+          <a:prstGeom prst="rect">
+            <a:avLst/>
+          </a:prstGeom>
+        </p:spPr>
+        <p:txBody>
+          <a:bodyPr wrap="square">
+            <a:spAutoFit/>
+          </a:bodyPr>
+          <a:lstStyle/>
+          <a:p>
+            <a:r>
+              <a:rPr lang="ru-RU" dirty="0"/>
+              <a:t>Цель: Нахождение лучших вариантов и способов закрытия двери</a:t>
+            </a:r>
+          </a:p>
+        </p:txBody>
+      </p:sp>
+      <p:sp>
+        <p:nvSpPr>
+          <p:cNvPr id="4" name="TextBox 3"/>
+          <p:cNvSpPr txBox="1"/>
+          <p:nvPr/>
+        </p:nvSpPr>
+        <p:spPr>
+          <a:xfrm>
+            <a:off x="323528" y="3086464"/>
+            <a:ext cx="3456384" cy="369332"/>
+          </a:xfrm>
+          <a:prstGeom prst="rect">
+            <a:avLst/>
+          </a:prstGeom>
+          <a:noFill/>
+        </p:spPr>
+        <p:txBody>
+          <a:bodyPr wrap="square" rtlCol="0">
+            <a:spAutoFit/>
+          </a:bodyPr>
+          <a:lstStyle/>
+          <a:p>
+            <a:r>
               <a:rPr lang="ru-RU" dirty="0" smtClean="0"/>
-              <a:t>Множество задач</a:t>
+              <a:t>И м</a:t>
+            </a:r>
+            <a:r>
+              <a:rPr lang="ru-RU" dirty="0" smtClean="0"/>
+              <a:t>ножество задач…</a:t>
             </a:r>
             <a:endParaRPr lang="ru-RU" dirty="0"/>
+          </a:p>
+        </p:txBody>
+      </p:sp>
+      <p:sp>
+        <p:nvSpPr>
+          <p:cNvPr id="7" name="Прямоугольник 6"/>
+          <p:cNvSpPr/>
+          <p:nvPr/>
+        </p:nvSpPr>
+        <p:spPr>
+          <a:xfrm>
+            <a:off x="323528" y="2878353"/>
+            <a:ext cx="2520280" cy="90445"/>
+          </a:xfrm>
+          <a:prstGeom prst="rect">
+            <a:avLst/>
+          </a:prstGeom>
+          <a:ln>
+            <a:noFill/>
+          </a:ln>
+        </p:spPr>
+        <p:style>
+          <a:lnRef idx="2">
+            <a:schemeClr val="accent3">
+              <a:shade val="50000"/>
+            </a:schemeClr>
+          </a:lnRef>
+          <a:fillRef idx="1">
+            <a:schemeClr val="accent3"/>
+          </a:fillRef>
+          <a:effectRef idx="0">
+            <a:schemeClr val="accent3"/>
+          </a:effectRef>
+          <a:fontRef idx="minor">
+            <a:schemeClr val="lt1"/>
+          </a:fontRef>
+        </p:style>
+        <p:txBody>
+          <a:bodyPr rtlCol="0" anchor="ctr"/>
+          <a:lstStyle/>
+          <a:p>
+            <a:pPr algn="ctr"/>
+            <a:endParaRPr lang="ru-RU"/>
+          </a:p>
+        </p:txBody>
+      </p:sp>
+      <p:sp>
+        <p:nvSpPr>
+          <p:cNvPr id="8" name="Прямоугольник 7"/>
+          <p:cNvSpPr/>
+          <p:nvPr/>
+        </p:nvSpPr>
+        <p:spPr>
+          <a:xfrm>
+            <a:off x="323528" y="1906245"/>
+            <a:ext cx="2520280" cy="90445"/>
+          </a:xfrm>
+          <a:prstGeom prst="rect">
+            <a:avLst/>
+          </a:prstGeom>
+          <a:ln>
+            <a:noFill/>
+          </a:ln>
+        </p:spPr>
+        <p:style>
+          <a:lnRef idx="2">
+            <a:schemeClr val="accent3">
+              <a:shade val="50000"/>
+            </a:schemeClr>
+          </a:lnRef>
+          <a:fillRef idx="1">
+            <a:schemeClr val="accent3"/>
+          </a:fillRef>
+          <a:effectRef idx="0">
+            <a:schemeClr val="accent3"/>
+          </a:effectRef>
+          <a:fontRef idx="minor">
+            <a:schemeClr val="lt1"/>
+          </a:fontRef>
+        </p:style>
+        <p:txBody>
+          <a:bodyPr rtlCol="0" anchor="ctr"/>
+          <a:lstStyle/>
+          <a:p>
+            <a:pPr algn="ctr"/>
+            <a:endParaRPr lang="ru-RU"/>
           </a:p>
         </p:txBody>
       </p:sp>
@@ -3650,42 +3959,1291 @@
   <p:clrMapOvr>
     <a:masterClrMapping/>
   </p:clrMapOvr>
+  <p:timing>
+    <p:tnLst>
+      <p:par>
+        <p:cTn id="1" dur="indefinite" restart="never" nodeType="tmRoot"/>
+      </p:par>
+    </p:tnLst>
+  </p:timing>
+</p:sld>
+</file>
+
+<file path=ppt/slides/slide3.xml><?xml version="1.0" encoding="utf-8"?>
+<p:sld xmlns:a="http://schemas.openxmlformats.org/drawingml/2006/main" xmlns:r="http://schemas.openxmlformats.org/officeDocument/2006/relationships" xmlns:p="http://schemas.openxmlformats.org/presentationml/2006/main">
+  <p:cSld>
+    <p:spTree>
+      <p:nvGrpSpPr>
+        <p:cNvPr id="1" name=""/>
+        <p:cNvGrpSpPr/>
+        <p:nvPr/>
+      </p:nvGrpSpPr>
+      <p:grpSpPr>
+        <a:xfrm>
+          <a:off x="0" y="0"/>
+          <a:ext cx="0" cy="0"/>
+          <a:chOff x="0" y="0"/>
+          <a:chExt cx="0" cy="0"/>
+        </a:xfrm>
+      </p:grpSpPr>
+      <p:sp>
+        <p:nvSpPr>
+          <p:cNvPr id="2" name="TextBox 1"/>
+          <p:cNvSpPr txBox="1"/>
+          <p:nvPr/>
+        </p:nvSpPr>
+        <p:spPr>
+          <a:xfrm>
+            <a:off x="3419872" y="337220"/>
+            <a:ext cx="3456384" cy="369332"/>
+          </a:xfrm>
+          <a:prstGeom prst="rect">
+            <a:avLst/>
+          </a:prstGeom>
+          <a:noFill/>
+        </p:spPr>
+        <p:txBody>
+          <a:bodyPr wrap="square" rtlCol="0">
+            <a:spAutoFit/>
+          </a:bodyPr>
+          <a:lstStyle/>
+          <a:p>
+            <a:r>
+              <a:rPr lang="ru-RU" b="1" dirty="0" smtClean="0"/>
+              <a:t>Теоретическая часть</a:t>
+            </a:r>
+            <a:endParaRPr lang="ru-RU" b="1" dirty="0"/>
+          </a:p>
+        </p:txBody>
+      </p:sp>
+      <p:sp>
+        <p:nvSpPr>
+          <p:cNvPr id="4" name="TextBox 3"/>
+          <p:cNvSpPr txBox="1"/>
+          <p:nvPr/>
+        </p:nvSpPr>
+        <p:spPr>
+          <a:xfrm>
+            <a:off x="323528" y="1129308"/>
+            <a:ext cx="3888432" cy="1200329"/>
+          </a:xfrm>
+          <a:prstGeom prst="rect">
+            <a:avLst/>
+          </a:prstGeom>
+          <a:noFill/>
+        </p:spPr>
+        <p:txBody>
+          <a:bodyPr wrap="square" rtlCol="0">
+            <a:spAutoFit/>
+          </a:bodyPr>
+          <a:lstStyle/>
+          <a:p>
+            <a:r>
+              <a:rPr lang="ru-RU" dirty="0" smtClean="0"/>
+              <a:t>Вытекающие из проблемы:</a:t>
+            </a:r>
+          </a:p>
+          <a:p>
+            <a:pPr marL="285750" indent="-285750">
+              <a:buFont typeface="Arial" panose="020B0604020202020204" pitchFamily="34" charset="0"/>
+              <a:buChar char="•"/>
+            </a:pPr>
+            <a:r>
+              <a:rPr lang="ru-RU" dirty="0"/>
+              <a:t>Необходимость </a:t>
+            </a:r>
+            <a:r>
+              <a:rPr lang="ru-RU" dirty="0" smtClean="0"/>
+              <a:t>отвлечься</a:t>
+            </a:r>
+          </a:p>
+          <a:p>
+            <a:pPr marL="285750" indent="-285750">
+              <a:buFont typeface="Arial" panose="020B0604020202020204" pitchFamily="34" charset="0"/>
+              <a:buChar char="•"/>
+            </a:pPr>
+            <a:r>
+              <a:rPr lang="ru-RU" dirty="0" smtClean="0"/>
+              <a:t>Безопасность</a:t>
+            </a:r>
+          </a:p>
+          <a:p>
+            <a:pPr marL="285750" indent="-285750">
+              <a:buFont typeface="Arial" panose="020B0604020202020204" pitchFamily="34" charset="0"/>
+              <a:buChar char="•"/>
+            </a:pPr>
+            <a:r>
+              <a:rPr lang="ru-RU" dirty="0"/>
+              <a:t>Культурные различия</a:t>
+            </a:r>
+            <a:endParaRPr lang="ru-RU" dirty="0"/>
+          </a:p>
+        </p:txBody>
+      </p:sp>
+      <p:sp>
+        <p:nvSpPr>
+          <p:cNvPr id="5" name="TextBox 4"/>
+          <p:cNvSpPr txBox="1"/>
+          <p:nvPr/>
+        </p:nvSpPr>
+        <p:spPr>
+          <a:xfrm>
+            <a:off x="5076056" y="1129308"/>
+            <a:ext cx="3528392" cy="923330"/>
+          </a:xfrm>
+          <a:prstGeom prst="rect">
+            <a:avLst/>
+          </a:prstGeom>
+          <a:noFill/>
+        </p:spPr>
+        <p:txBody>
+          <a:bodyPr wrap="square" rtlCol="0">
+            <a:spAutoFit/>
+          </a:bodyPr>
+          <a:lstStyle/>
+          <a:p>
+            <a:r>
+              <a:rPr lang="ru-RU" dirty="0" smtClean="0"/>
+              <a:t>Причины проблемы:</a:t>
+            </a:r>
+          </a:p>
+          <a:p>
+            <a:pPr marL="285750" indent="-285750">
+              <a:buFont typeface="Arial" panose="020B0604020202020204" pitchFamily="34" charset="0"/>
+              <a:buChar char="•"/>
+            </a:pPr>
+            <a:r>
+              <a:rPr lang="ru-RU" dirty="0"/>
+              <a:t>Физические </a:t>
+            </a:r>
+            <a:r>
+              <a:rPr lang="ru-RU" dirty="0" smtClean="0"/>
+              <a:t>ограничения</a:t>
+            </a:r>
+          </a:p>
+          <a:p>
+            <a:pPr marL="285750" indent="-285750">
+              <a:buFont typeface="Arial" panose="020B0604020202020204" pitchFamily="34" charset="0"/>
+              <a:buChar char="•"/>
+            </a:pPr>
+            <a:r>
+              <a:rPr lang="ru-RU" dirty="0"/>
+              <a:t>Привычка</a:t>
+            </a:r>
+            <a:endParaRPr lang="ru-RU" dirty="0"/>
+          </a:p>
+        </p:txBody>
+      </p:sp>
+      <p:sp>
+        <p:nvSpPr>
+          <p:cNvPr id="6" name="TextBox 5"/>
+          <p:cNvSpPr txBox="1"/>
+          <p:nvPr/>
+        </p:nvSpPr>
+        <p:spPr>
+          <a:xfrm>
+            <a:off x="5364088" y="3283064"/>
+            <a:ext cx="4248472" cy="1200329"/>
+          </a:xfrm>
+          <a:prstGeom prst="rect">
+            <a:avLst/>
+          </a:prstGeom>
+          <a:noFill/>
+        </p:spPr>
+        <p:txBody>
+          <a:bodyPr wrap="square" rtlCol="0">
+            <a:spAutoFit/>
+          </a:bodyPr>
+          <a:lstStyle/>
+          <a:p>
+            <a:r>
+              <a:rPr lang="ru-RU" dirty="0" smtClean="0"/>
+              <a:t>Решения:</a:t>
+            </a:r>
+          </a:p>
+          <a:p>
+            <a:pPr marL="285750" indent="-285750">
+              <a:buFont typeface="Arial" panose="020B0604020202020204" pitchFamily="34" charset="0"/>
+              <a:buChar char="•"/>
+            </a:pPr>
+            <a:r>
+              <a:rPr lang="ru-RU" dirty="0" smtClean="0"/>
+              <a:t>Самому </a:t>
+            </a:r>
+            <a:r>
+              <a:rPr lang="ru-RU" dirty="0"/>
+              <a:t>закрыть </a:t>
+            </a:r>
+            <a:r>
+              <a:rPr lang="ru-RU" dirty="0" smtClean="0"/>
+              <a:t>дверь </a:t>
+            </a:r>
+          </a:p>
+          <a:p>
+            <a:pPr marL="285750" indent="-285750">
+              <a:buFont typeface="Arial" panose="020B0604020202020204" pitchFamily="34" charset="0"/>
+              <a:buChar char="•"/>
+            </a:pPr>
+            <a:r>
+              <a:rPr lang="ru-RU" dirty="0" smtClean="0"/>
+              <a:t>Купить доводчик</a:t>
+            </a:r>
+          </a:p>
+          <a:p>
+            <a:pPr marL="285750" indent="-285750">
+              <a:buFont typeface="Arial" panose="020B0604020202020204" pitchFamily="34" charset="0"/>
+              <a:buChar char="•"/>
+            </a:pPr>
+            <a:r>
+              <a:rPr lang="ru-RU" dirty="0" smtClean="0"/>
+              <a:t>Нанять </a:t>
+            </a:r>
+            <a:r>
+              <a:rPr lang="ru-RU" dirty="0"/>
+              <a:t>человека</a:t>
+            </a:r>
+            <a:endParaRPr lang="ru-RU" dirty="0"/>
+          </a:p>
+        </p:txBody>
+      </p:sp>
+      <p:pic>
+        <p:nvPicPr>
+          <p:cNvPr id="4098" name="Picture 2" descr="C:\Users\Compaq\Downloads\dovodchik-nakladnoj.png"/>
+          <p:cNvPicPr>
+            <a:picLocks noChangeAspect="1" noChangeArrowheads="1"/>
+          </p:cNvPicPr>
+          <p:nvPr/>
+        </p:nvPicPr>
+        <p:blipFill>
+          <a:blip r:embed="rId2">
+            <a:extLst>
+              <a:ext uri="{28A0092B-C50C-407E-A947-70E740481C1C}">
+                <a14:useLocalDpi xmlns:a14="http://schemas.microsoft.com/office/drawing/2010/main" val="0"/>
+              </a:ext>
+            </a:extLst>
+          </a:blip>
+          <a:srcRect/>
+          <a:stretch>
+            <a:fillRect/>
+          </a:stretch>
+        </p:blipFill>
+        <p:spPr bwMode="auto">
+          <a:xfrm>
+            <a:off x="107504" y="3283064"/>
+            <a:ext cx="3113025" cy="2130714"/>
+          </a:xfrm>
+          <a:prstGeom prst="rect">
+            <a:avLst/>
+          </a:prstGeom>
+          <a:noFill/>
+          <a:extLst>
+            <a:ext uri="{909E8E84-426E-40DD-AFC4-6F175D3DCCD1}">
+              <a14:hiddenFill xmlns:a14="http://schemas.microsoft.com/office/drawing/2010/main">
+                <a:solidFill>
+                  <a:srgbClr val="FFFFFF"/>
+                </a:solidFill>
+              </a14:hiddenFill>
+            </a:ext>
+          </a:extLst>
+        </p:spPr>
+      </p:pic>
+    </p:spTree>
+    <p:extLst>
+      <p:ext uri="{BB962C8B-B14F-4D97-AF65-F5344CB8AC3E}">
+        <p14:creationId xmlns:p14="http://schemas.microsoft.com/office/powerpoint/2010/main" val="4162813473"/>
+      </p:ext>
+    </p:extLst>
+  </p:cSld>
+  <p:clrMapOvr>
+    <a:masterClrMapping/>
+  </p:clrMapOvr>
+  <p:timing>
+    <p:tnLst>
+      <p:par>
+        <p:cTn id="1" dur="indefinite" restart="never" nodeType="tmRoot"/>
+      </p:par>
+    </p:tnLst>
+  </p:timing>
+</p:sld>
+</file>
+
+<file path=ppt/slides/slide4.xml><?xml version="1.0" encoding="utf-8"?>
+<p:sld xmlns:a="http://schemas.openxmlformats.org/drawingml/2006/main" xmlns:r="http://schemas.openxmlformats.org/officeDocument/2006/relationships" xmlns:p="http://schemas.openxmlformats.org/presentationml/2006/main">
+  <p:cSld>
+    <p:spTree>
+      <p:nvGrpSpPr>
+        <p:cNvPr id="1" name=""/>
+        <p:cNvGrpSpPr/>
+        <p:nvPr/>
+      </p:nvGrpSpPr>
+      <p:grpSpPr>
+        <a:xfrm>
+          <a:off x="0" y="0"/>
+          <a:ext cx="0" cy="0"/>
+          <a:chOff x="0" y="0"/>
+          <a:chExt cx="0" cy="0"/>
+        </a:xfrm>
+      </p:grpSpPr>
+      <p:sp>
+        <p:nvSpPr>
+          <p:cNvPr id="8" name="Прямоугольник 7"/>
+          <p:cNvSpPr/>
+          <p:nvPr/>
+        </p:nvSpPr>
+        <p:spPr>
+          <a:xfrm>
+            <a:off x="1223627" y="958957"/>
+            <a:ext cx="6696744" cy="4248472"/>
+          </a:xfrm>
+          <a:prstGeom prst="rect">
+            <a:avLst/>
+          </a:prstGeom>
+          <a:solidFill>
+            <a:schemeClr val="bg2">
+              <a:lumMod val="20000"/>
+              <a:lumOff val="80000"/>
+            </a:schemeClr>
+          </a:solidFill>
+          <a:ln>
+            <a:noFill/>
+          </a:ln>
+        </p:spPr>
+        <p:style>
+          <a:lnRef idx="2">
+            <a:schemeClr val="accent3">
+              <a:shade val="50000"/>
+            </a:schemeClr>
+          </a:lnRef>
+          <a:fillRef idx="1">
+            <a:schemeClr val="accent3"/>
+          </a:fillRef>
+          <a:effectRef idx="0">
+            <a:schemeClr val="accent3"/>
+          </a:effectRef>
+          <a:fontRef idx="minor">
+            <a:schemeClr val="lt1"/>
+          </a:fontRef>
+        </p:style>
+        <p:txBody>
+          <a:bodyPr rtlCol="0" anchor="ctr"/>
+          <a:lstStyle/>
+          <a:p>
+            <a:pPr algn="ctr"/>
+            <a:endParaRPr lang="ru-RU"/>
+          </a:p>
+        </p:txBody>
+      </p:sp>
+      <p:sp>
+        <p:nvSpPr>
+          <p:cNvPr id="7" name="Прямоугольник 6"/>
+          <p:cNvSpPr/>
+          <p:nvPr/>
+        </p:nvSpPr>
+        <p:spPr>
+          <a:xfrm>
+            <a:off x="2158779" y="1619370"/>
+            <a:ext cx="4826441" cy="3179675"/>
+          </a:xfrm>
+          <a:prstGeom prst="rect">
+            <a:avLst/>
+          </a:prstGeom>
+          <a:solidFill>
+            <a:schemeClr val="bg2">
+              <a:lumMod val="40000"/>
+              <a:lumOff val="60000"/>
+            </a:schemeClr>
+          </a:solidFill>
+          <a:ln>
+            <a:noFill/>
+          </a:ln>
+        </p:spPr>
+        <p:style>
+          <a:lnRef idx="2">
+            <a:schemeClr val="accent3">
+              <a:shade val="50000"/>
+            </a:schemeClr>
+          </a:lnRef>
+          <a:fillRef idx="1">
+            <a:schemeClr val="accent3"/>
+          </a:fillRef>
+          <a:effectRef idx="0">
+            <a:schemeClr val="accent3"/>
+          </a:effectRef>
+          <a:fontRef idx="minor">
+            <a:schemeClr val="lt1"/>
+          </a:fontRef>
+        </p:style>
+        <p:txBody>
+          <a:bodyPr rtlCol="0" anchor="ctr"/>
+          <a:lstStyle/>
+          <a:p>
+            <a:pPr algn="ctr"/>
+            <a:endParaRPr lang="ru-RU"/>
+          </a:p>
+        </p:txBody>
+      </p:sp>
+      <p:sp>
+        <p:nvSpPr>
+          <p:cNvPr id="2" name="TextBox 1"/>
+          <p:cNvSpPr txBox="1"/>
+          <p:nvPr/>
+        </p:nvSpPr>
+        <p:spPr>
+          <a:xfrm>
+            <a:off x="25354" y="134034"/>
+            <a:ext cx="5760640" cy="646331"/>
+          </a:xfrm>
+          <a:prstGeom prst="rect">
+            <a:avLst/>
+          </a:prstGeom>
+          <a:noFill/>
+        </p:spPr>
+        <p:txBody>
+          <a:bodyPr wrap="square" rtlCol="0">
+            <a:spAutoFit/>
+          </a:bodyPr>
+          <a:lstStyle/>
+          <a:p>
+            <a:r>
+              <a:rPr lang="ru-RU" sz="3600" b="1" dirty="0" smtClean="0"/>
+              <a:t>Практическая часть</a:t>
+            </a:r>
+            <a:endParaRPr lang="ru-RU" sz="3600" b="1" dirty="0"/>
+          </a:p>
+        </p:txBody>
+      </p:sp>
+      <p:sp>
+        <p:nvSpPr>
+          <p:cNvPr id="3" name="TextBox 2"/>
+          <p:cNvSpPr txBox="1"/>
+          <p:nvPr/>
+        </p:nvSpPr>
+        <p:spPr>
+          <a:xfrm>
+            <a:off x="2051719" y="1085035"/>
+            <a:ext cx="5040560" cy="523220"/>
+          </a:xfrm>
+          <a:prstGeom prst="rect">
+            <a:avLst/>
+          </a:prstGeom>
+          <a:noFill/>
+        </p:spPr>
+        <p:txBody>
+          <a:bodyPr wrap="square" rtlCol="0">
+            <a:spAutoFit/>
+          </a:bodyPr>
+          <a:lstStyle/>
+          <a:p>
+            <a:pPr algn="ctr"/>
+            <a:r>
+              <a:rPr lang="ru-RU" sz="2800" dirty="0" smtClean="0"/>
+              <a:t>Был проведен опрос</a:t>
+            </a:r>
+            <a:endParaRPr lang="ru-RU" sz="2800" dirty="0"/>
+          </a:p>
+        </p:txBody>
+      </p:sp>
+      <p:sp>
+        <p:nvSpPr>
+          <p:cNvPr id="4" name="Rectangle 2"/>
+          <p:cNvSpPr>
+            <a:spLocks noChangeArrowheads="1"/>
+          </p:cNvSpPr>
+          <p:nvPr/>
+        </p:nvSpPr>
+        <p:spPr bwMode="auto">
+          <a:xfrm>
+            <a:off x="0" y="0"/>
+            <a:ext cx="9144000" cy="457200"/>
+          </a:xfrm>
+          <a:prstGeom prst="rect">
+            <a:avLst/>
+          </a:prstGeom>
+          <a:noFill/>
+          <a:ln>
+            <a:noFill/>
+          </a:ln>
+          <a:effectLst/>
+          <a:extLst>
+            <a:ext uri="{909E8E84-426E-40DD-AFC4-6F175D3DCCD1}">
+              <a14:hiddenFill xmlns:a14="http://schemas.microsoft.com/office/drawing/2010/main">
+                <a:solidFill>
+                  <a:schemeClr val="accent1"/>
+                </a:solidFill>
+              </a14:hiddenFill>
+            </a:ext>
+            <a:ext uri="{91240B29-F687-4F45-9708-019B960494DF}">
+              <a14:hiddenLine xmlns:a14="http://schemas.microsoft.com/office/drawing/2010/main" w="9525">
+                <a:solidFill>
+                  <a:schemeClr val="tx1"/>
+                </a:solidFill>
+                <a:miter lim="800000"/>
+                <a:headEnd/>
+                <a:tailEnd/>
+              </a14:hiddenLine>
+            </a:ext>
+            <a:ext uri="{AF507438-7753-43E0-B8FC-AC1667EBCBE1}">
+              <a14:hiddenEffects xmlns:a14="http://schemas.microsoft.com/office/drawing/2010/main">
+                <a:effectLst>
+                  <a:outerShdw dist="35921" dir="2700000" algn="ctr" rotWithShape="0">
+                    <a:schemeClr val="bg2"/>
+                  </a:outerShdw>
+                </a:effectLst>
+              </a14:hiddenEffects>
+            </a:ext>
+          </a:extLst>
+        </p:spPr>
+        <p:txBody>
+          <a:bodyPr vert="horz" wrap="none" lIns="91440" tIns="45720" rIns="91440" bIns="45720" numCol="1" anchor="ctr" anchorCtr="0" compatLnSpc="1">
+            <a:prstTxWarp prst="textNoShape">
+              <a:avLst/>
+            </a:prstTxWarp>
+            <a:spAutoFit/>
+          </a:bodyPr>
+          <a:lstStyle/>
+          <a:p>
+            <a:endParaRPr lang="ru-RU"/>
+          </a:p>
+        </p:txBody>
+      </p:sp>
+      <p:sp>
+        <p:nvSpPr>
+          <p:cNvPr id="6" name="Rectangle 3"/>
+          <p:cNvSpPr>
+            <a:spLocks noChangeArrowheads="1"/>
+          </p:cNvSpPr>
+          <p:nvPr/>
+        </p:nvSpPr>
+        <p:spPr bwMode="auto">
+          <a:xfrm>
+            <a:off x="2320797" y="1691381"/>
+            <a:ext cx="4860540" cy="3046988"/>
+          </a:xfrm>
+          <a:prstGeom prst="rect">
+            <a:avLst/>
+          </a:prstGeom>
+          <a:noFill/>
+          <a:ln>
+            <a:noFill/>
+          </a:ln>
+          <a:effectLst/>
+          <a:extLst>
+            <a:ext uri="{909E8E84-426E-40DD-AFC4-6F175D3DCCD1}">
+              <a14:hiddenFill xmlns:a14="http://schemas.microsoft.com/office/drawing/2010/main">
+                <a:solidFill>
+                  <a:schemeClr val="accent1"/>
+                </a:solidFill>
+              </a14:hiddenFill>
+            </a:ext>
+            <a:ext uri="{91240B29-F687-4F45-9708-019B960494DF}">
+              <a14:hiddenLine xmlns:a14="http://schemas.microsoft.com/office/drawing/2010/main" w="9525">
+                <a:solidFill>
+                  <a:schemeClr val="tx1"/>
+                </a:solidFill>
+                <a:miter lim="800000"/>
+                <a:headEnd/>
+                <a:tailEnd/>
+              </a14:hiddenLine>
+            </a:ext>
+            <a:ext uri="{AF507438-7753-43E0-B8FC-AC1667EBCBE1}">
+              <a14:hiddenEffects xmlns:a14="http://schemas.microsoft.com/office/drawing/2010/main">
+                <a:effectLst>
+                  <a:outerShdw dist="35921" dir="2700000" algn="ctr" rotWithShape="0">
+                    <a:schemeClr val="bg2"/>
+                  </a:outerShdw>
+                </a:effectLst>
+              </a14:hiddenEffects>
+            </a:ext>
+          </a:extLst>
+        </p:spPr>
+        <p:txBody>
+          <a:bodyPr vert="horz" wrap="square" lIns="91440" tIns="45720" rIns="91440" bIns="45720" numCol="1" anchor="ctr" anchorCtr="0" compatLnSpc="1">
+            <a:prstTxWarp prst="textNoShape">
+              <a:avLst/>
+            </a:prstTxWarp>
+            <a:spAutoFit/>
+          </a:bodyPr>
+          <a:lstStyle>
+            <a:lvl1pPr fontAlgn="base">
+              <a:spcBef>
+                <a:spcPct val="0"/>
+              </a:spcBef>
+              <a:spcAft>
+                <a:spcPct val="0"/>
+              </a:spcAft>
+              <a:defRPr>
+                <a:solidFill>
+                  <a:schemeClr val="tx1"/>
+                </a:solidFill>
+                <a:latin typeface="Arial" pitchFamily="34" charset="0"/>
+                <a:cs typeface="Arial" pitchFamily="34" charset="0"/>
+              </a:defRPr>
+            </a:lvl1pPr>
+            <a:lvl2pPr fontAlgn="base">
+              <a:spcBef>
+                <a:spcPct val="0"/>
+              </a:spcBef>
+              <a:spcAft>
+                <a:spcPct val="0"/>
+              </a:spcAft>
+              <a:defRPr>
+                <a:solidFill>
+                  <a:schemeClr val="tx1"/>
+                </a:solidFill>
+                <a:latin typeface="Arial" pitchFamily="34" charset="0"/>
+                <a:cs typeface="Arial" pitchFamily="34" charset="0"/>
+              </a:defRPr>
+            </a:lvl2pPr>
+            <a:lvl3pPr fontAlgn="base">
+              <a:spcBef>
+                <a:spcPct val="0"/>
+              </a:spcBef>
+              <a:spcAft>
+                <a:spcPct val="0"/>
+              </a:spcAft>
+              <a:defRPr>
+                <a:solidFill>
+                  <a:schemeClr val="tx1"/>
+                </a:solidFill>
+                <a:latin typeface="Arial" pitchFamily="34" charset="0"/>
+                <a:cs typeface="Arial" pitchFamily="34" charset="0"/>
+              </a:defRPr>
+            </a:lvl3pPr>
+            <a:lvl4pPr fontAlgn="base">
+              <a:spcBef>
+                <a:spcPct val="0"/>
+              </a:spcBef>
+              <a:spcAft>
+                <a:spcPct val="0"/>
+              </a:spcAft>
+              <a:defRPr>
+                <a:solidFill>
+                  <a:schemeClr val="tx1"/>
+                </a:solidFill>
+                <a:latin typeface="Arial" pitchFamily="34" charset="0"/>
+                <a:cs typeface="Arial" pitchFamily="34" charset="0"/>
+              </a:defRPr>
+            </a:lvl4pPr>
+            <a:lvl5pPr fontAlgn="base">
+              <a:spcBef>
+                <a:spcPct val="0"/>
+              </a:spcBef>
+              <a:spcAft>
+                <a:spcPct val="0"/>
+              </a:spcAft>
+              <a:defRPr>
+                <a:solidFill>
+                  <a:schemeClr val="tx1"/>
+                </a:solidFill>
+                <a:latin typeface="Arial" pitchFamily="34" charset="0"/>
+                <a:cs typeface="Arial" pitchFamily="34" charset="0"/>
+              </a:defRPr>
+            </a:lvl5pPr>
+            <a:lvl6pPr fontAlgn="base">
+              <a:spcBef>
+                <a:spcPct val="0"/>
+              </a:spcBef>
+              <a:spcAft>
+                <a:spcPct val="0"/>
+              </a:spcAft>
+              <a:defRPr>
+                <a:solidFill>
+                  <a:schemeClr val="tx1"/>
+                </a:solidFill>
+                <a:latin typeface="Arial" pitchFamily="34" charset="0"/>
+                <a:cs typeface="Arial" pitchFamily="34" charset="0"/>
+              </a:defRPr>
+            </a:lvl6pPr>
+            <a:lvl7pPr fontAlgn="base">
+              <a:spcBef>
+                <a:spcPct val="0"/>
+              </a:spcBef>
+              <a:spcAft>
+                <a:spcPct val="0"/>
+              </a:spcAft>
+              <a:defRPr>
+                <a:solidFill>
+                  <a:schemeClr val="tx1"/>
+                </a:solidFill>
+                <a:latin typeface="Arial" pitchFamily="34" charset="0"/>
+                <a:cs typeface="Arial" pitchFamily="34" charset="0"/>
+              </a:defRPr>
+            </a:lvl7pPr>
+            <a:lvl8pPr fontAlgn="base">
+              <a:spcBef>
+                <a:spcPct val="0"/>
+              </a:spcBef>
+              <a:spcAft>
+                <a:spcPct val="0"/>
+              </a:spcAft>
+              <a:defRPr>
+                <a:solidFill>
+                  <a:schemeClr val="tx1"/>
+                </a:solidFill>
+                <a:latin typeface="Arial" pitchFamily="34" charset="0"/>
+                <a:cs typeface="Arial" pitchFamily="34" charset="0"/>
+              </a:defRPr>
+            </a:lvl8pPr>
+            <a:lvl9pPr fontAlgn="base">
+              <a:spcBef>
+                <a:spcPct val="0"/>
+              </a:spcBef>
+              <a:spcAft>
+                <a:spcPct val="0"/>
+              </a:spcAft>
+              <a:defRPr>
+                <a:solidFill>
+                  <a:schemeClr val="tx1"/>
+                </a:solidFill>
+                <a:latin typeface="Arial" pitchFamily="34" charset="0"/>
+                <a:cs typeface="Arial" pitchFamily="34" charset="0"/>
+              </a:defRPr>
+            </a:lvl9pPr>
+          </a:lstStyle>
+          <a:p>
+            <a:pPr marL="0" marR="0" lvl="0" indent="0" defTabSz="914400" rtl="0" eaLnBrk="0" fontAlgn="base" latinLnBrk="0" hangingPunct="0">
+              <a:lnSpc>
+                <a:spcPct val="100000"/>
+              </a:lnSpc>
+              <a:spcBef>
+                <a:spcPct val="0"/>
+              </a:spcBef>
+              <a:spcAft>
+                <a:spcPct val="0"/>
+              </a:spcAft>
+              <a:buClrTx/>
+              <a:buSzTx/>
+              <a:buFontTx/>
+              <a:buChar char="•"/>
+              <a:tabLst/>
+            </a:pPr>
+            <a:r>
+              <a:rPr lang="ru-RU" altLang="ru-RU" sz="2400" dirty="0" smtClean="0">
+                <a:latin typeface="+mn-lt"/>
+                <a:cs typeface="+mn-cs"/>
+              </a:rPr>
+              <a:t>Проблема существует</a:t>
+            </a:r>
+            <a:endParaRPr lang="ru-RU" altLang="ru-RU" sz="2400" dirty="0">
+              <a:latin typeface="+mn-lt"/>
+              <a:cs typeface="+mn-cs"/>
+            </a:endParaRPr>
+          </a:p>
+          <a:p>
+            <a:pPr marL="0" marR="0" lvl="0" indent="0" defTabSz="914400" rtl="0" eaLnBrk="0" fontAlgn="base" latinLnBrk="0" hangingPunct="0">
+              <a:lnSpc>
+                <a:spcPct val="100000"/>
+              </a:lnSpc>
+              <a:spcBef>
+                <a:spcPct val="0"/>
+              </a:spcBef>
+              <a:spcAft>
+                <a:spcPct val="0"/>
+              </a:spcAft>
+              <a:buClrTx/>
+              <a:buSzTx/>
+              <a:buFontTx/>
+              <a:buChar char="•"/>
+              <a:tabLst/>
+            </a:pPr>
+            <a:r>
+              <a:rPr lang="ru-RU" altLang="ru-RU" sz="2400" dirty="0">
+                <a:latin typeface="+mn-lt"/>
+                <a:cs typeface="+mn-cs"/>
+              </a:rPr>
+              <a:t>В</a:t>
+            </a:r>
+            <a:r>
+              <a:rPr lang="ru-RU" altLang="ru-RU" sz="2400" dirty="0" smtClean="0">
+                <a:latin typeface="+mn-lt"/>
+                <a:cs typeface="+mn-cs"/>
+              </a:rPr>
+              <a:t> </a:t>
+            </a:r>
+            <a:r>
+              <a:rPr lang="ru-RU" altLang="ru-RU" sz="2400" dirty="0">
+                <a:latin typeface="+mn-lt"/>
+                <a:cs typeface="+mn-cs"/>
+              </a:rPr>
+              <a:t>основном за собой не закрывают дверь представители старшего поколения</a:t>
+            </a:r>
+          </a:p>
+          <a:p>
+            <a:pPr marL="0" marR="0" lvl="0" indent="0" defTabSz="914400" rtl="0" eaLnBrk="0" fontAlgn="base" latinLnBrk="0" hangingPunct="0">
+              <a:lnSpc>
+                <a:spcPct val="100000"/>
+              </a:lnSpc>
+              <a:spcBef>
+                <a:spcPct val="0"/>
+              </a:spcBef>
+              <a:spcAft>
+                <a:spcPct val="0"/>
+              </a:spcAft>
+              <a:buClrTx/>
+              <a:buSzTx/>
+              <a:buFontTx/>
+              <a:buChar char="•"/>
+              <a:tabLst/>
+            </a:pPr>
+            <a:r>
+              <a:rPr lang="ru-RU" altLang="ru-RU" sz="2400" dirty="0" smtClean="0">
+                <a:latin typeface="+mn-lt"/>
+                <a:cs typeface="+mn-cs"/>
+              </a:rPr>
+              <a:t>Лучшее решение – установка дверного </a:t>
+            </a:r>
+            <a:r>
+              <a:rPr lang="ru-RU" altLang="ru-RU" sz="2400" dirty="0">
+                <a:latin typeface="+mn-lt"/>
+                <a:cs typeface="+mn-cs"/>
+              </a:rPr>
+              <a:t>доводчика</a:t>
+            </a:r>
+          </a:p>
+        </p:txBody>
+      </p:sp>
+    </p:spTree>
+    <p:extLst>
+      <p:ext uri="{BB962C8B-B14F-4D97-AF65-F5344CB8AC3E}">
+        <p14:creationId xmlns:p14="http://schemas.microsoft.com/office/powerpoint/2010/main" val="2605670527"/>
+      </p:ext>
+    </p:extLst>
+  </p:cSld>
+  <p:clrMapOvr>
+    <a:masterClrMapping/>
+  </p:clrMapOvr>
+  <p:timing>
+    <p:tnLst>
+      <p:par>
+        <p:cTn id="1" dur="indefinite" restart="never" nodeType="tmRoot"/>
+      </p:par>
+    </p:tnLst>
+  </p:timing>
+</p:sld>
+</file>
+
+<file path=ppt/slides/slide5.xml><?xml version="1.0" encoding="utf-8"?>
+<p:sld xmlns:a="http://schemas.openxmlformats.org/drawingml/2006/main" xmlns:r="http://schemas.openxmlformats.org/officeDocument/2006/relationships" xmlns:p="http://schemas.openxmlformats.org/presentationml/2006/main">
+  <p:cSld>
+    <p:spTree>
+      <p:nvGrpSpPr>
+        <p:cNvPr id="1" name=""/>
+        <p:cNvGrpSpPr/>
+        <p:nvPr/>
+      </p:nvGrpSpPr>
+      <p:grpSpPr>
+        <a:xfrm>
+          <a:off x="0" y="0"/>
+          <a:ext cx="0" cy="0"/>
+          <a:chOff x="0" y="0"/>
+          <a:chExt cx="0" cy="0"/>
+        </a:xfrm>
+      </p:grpSpPr>
+      <p:pic>
+        <p:nvPicPr>
+          <p:cNvPr id="5122" name="Picture 2" descr="C:\Users\Compaq\Downloads\2150683501.jpg"/>
+          <p:cNvPicPr>
+            <a:picLocks noChangeAspect="1" noChangeArrowheads="1"/>
+          </p:cNvPicPr>
+          <p:nvPr/>
+        </p:nvPicPr>
+        <p:blipFill rotWithShape="1">
+          <a:blip r:embed="rId2">
+            <a:duotone>
+              <a:schemeClr val="accent2">
+                <a:shade val="45000"/>
+                <a:satMod val="135000"/>
+              </a:schemeClr>
+              <a:prstClr val="white"/>
+            </a:duotone>
+            <a:extLst>
+              <a:ext uri="{28A0092B-C50C-407E-A947-70E740481C1C}">
+                <a14:useLocalDpi xmlns:a14="http://schemas.microsoft.com/office/drawing/2010/main" val="0"/>
+              </a:ext>
+            </a:extLst>
+          </a:blip>
+          <a:srcRect t="15744" b="37381"/>
+          <a:stretch/>
+        </p:blipFill>
+        <p:spPr bwMode="auto">
+          <a:xfrm>
+            <a:off x="3696" y="0"/>
+            <a:ext cx="9144000" cy="2857499"/>
+          </a:xfrm>
+          <a:prstGeom prst="rect">
+            <a:avLst/>
+          </a:prstGeom>
+          <a:noFill/>
+          <a:extLst>
+            <a:ext uri="{909E8E84-426E-40DD-AFC4-6F175D3DCCD1}">
+              <a14:hiddenFill xmlns:a14="http://schemas.microsoft.com/office/drawing/2010/main">
+                <a:solidFill>
+                  <a:srgbClr val="FFFFFF"/>
+                </a:solidFill>
+              </a14:hiddenFill>
+            </a:ext>
+          </a:extLst>
+        </p:spPr>
+      </p:pic>
+      <p:sp>
+        <p:nvSpPr>
+          <p:cNvPr id="4" name="Прямоугольник 3"/>
+          <p:cNvSpPr/>
+          <p:nvPr/>
+        </p:nvSpPr>
+        <p:spPr>
+          <a:xfrm>
+            <a:off x="-10492" y="1633363"/>
+            <a:ext cx="9154492" cy="1224136"/>
+          </a:xfrm>
+          <a:prstGeom prst="rect">
+            <a:avLst/>
+          </a:prstGeom>
+          <a:solidFill>
+            <a:schemeClr val="bg2">
+              <a:lumMod val="60000"/>
+              <a:lumOff val="40000"/>
+            </a:schemeClr>
+          </a:solidFill>
+          <a:ln>
+            <a:noFill/>
+          </a:ln>
+        </p:spPr>
+        <p:style>
+          <a:lnRef idx="2">
+            <a:schemeClr val="accent1">
+              <a:shade val="50000"/>
+            </a:schemeClr>
+          </a:lnRef>
+          <a:fillRef idx="1">
+            <a:schemeClr val="accent1"/>
+          </a:fillRef>
+          <a:effectRef idx="0">
+            <a:schemeClr val="accent1"/>
+          </a:effectRef>
+          <a:fontRef idx="minor">
+            <a:schemeClr val="lt1"/>
+          </a:fontRef>
+        </p:style>
+        <p:txBody>
+          <a:bodyPr rtlCol="0" anchor="ctr"/>
+          <a:lstStyle/>
+          <a:p>
+            <a:pPr algn="ctr"/>
+            <a:endParaRPr lang="ru-RU"/>
+          </a:p>
+        </p:txBody>
+      </p:sp>
+      <p:sp>
+        <p:nvSpPr>
+          <p:cNvPr id="2" name="TextBox 1"/>
+          <p:cNvSpPr txBox="1"/>
+          <p:nvPr/>
+        </p:nvSpPr>
+        <p:spPr>
+          <a:xfrm>
+            <a:off x="2951820" y="2425452"/>
+            <a:ext cx="3240360" cy="646331"/>
+          </a:xfrm>
+          <a:prstGeom prst="rect">
+            <a:avLst/>
+          </a:prstGeom>
+          <a:noFill/>
+        </p:spPr>
+        <p:txBody>
+          <a:bodyPr wrap="square" rtlCol="0">
+            <a:spAutoFit/>
+          </a:bodyPr>
+          <a:lstStyle/>
+          <a:p>
+            <a:pPr algn="ctr"/>
+            <a:r>
+              <a:rPr lang="ru-RU" sz="3600" b="1" dirty="0" smtClean="0"/>
+              <a:t>Выводы</a:t>
+            </a:r>
+            <a:endParaRPr lang="ru-RU" sz="3600" b="1" dirty="0"/>
+          </a:p>
+        </p:txBody>
+      </p:sp>
+      <p:sp>
+        <p:nvSpPr>
+          <p:cNvPr id="3" name="TextBox 2"/>
+          <p:cNvSpPr txBox="1"/>
+          <p:nvPr/>
+        </p:nvSpPr>
+        <p:spPr>
+          <a:xfrm>
+            <a:off x="894346" y="3505572"/>
+            <a:ext cx="7344816" cy="1200329"/>
+          </a:xfrm>
+          <a:prstGeom prst="rect">
+            <a:avLst/>
+          </a:prstGeom>
+          <a:noFill/>
+        </p:spPr>
+        <p:txBody>
+          <a:bodyPr wrap="square" rtlCol="0">
+            <a:spAutoFit/>
+          </a:bodyPr>
+          <a:lstStyle/>
+          <a:p>
+            <a:pPr algn="ctr"/>
+            <a:r>
+              <a:rPr lang="ru-RU" sz="2400" dirty="0" smtClean="0"/>
+              <a:t>Была подтверждена </a:t>
+            </a:r>
+            <a:r>
+              <a:rPr lang="ru-RU" sz="2400" dirty="0"/>
+              <a:t>актуальность </a:t>
+            </a:r>
+            <a:r>
+              <a:rPr lang="ru-RU" sz="2400" dirty="0" smtClean="0"/>
+              <a:t>проблемы</a:t>
+            </a:r>
+          </a:p>
+          <a:p>
+            <a:pPr algn="ctr"/>
+            <a:r>
+              <a:rPr lang="ru-RU" sz="2400" dirty="0" smtClean="0"/>
+              <a:t>Было найдено </a:t>
+            </a:r>
+            <a:r>
+              <a:rPr lang="ru-RU" sz="2400" dirty="0"/>
+              <a:t>ее решение – дверной </a:t>
+            </a:r>
+            <a:r>
+              <a:rPr lang="ru-RU" sz="2400" dirty="0" smtClean="0"/>
+              <a:t>доводчик</a:t>
+            </a:r>
+            <a:endParaRPr lang="ru-RU" sz="2400" dirty="0"/>
+          </a:p>
+        </p:txBody>
+      </p:sp>
+    </p:spTree>
+    <p:extLst>
+      <p:ext uri="{BB962C8B-B14F-4D97-AF65-F5344CB8AC3E}">
+        <p14:creationId xmlns:p14="http://schemas.microsoft.com/office/powerpoint/2010/main" val="1177151886"/>
+      </p:ext>
+    </p:extLst>
+  </p:cSld>
+  <p:clrMapOvr>
+    <a:masterClrMapping/>
+  </p:clrMapOvr>
+  <p:timing>
+    <p:tnLst>
+      <p:par>
+        <p:cTn id="1" dur="indefinite" restart="never" nodeType="tmRoot"/>
+      </p:par>
+    </p:tnLst>
+  </p:timing>
+</p:sld>
+</file>
+
+<file path=ppt/slides/slide6.xml><?xml version="1.0" encoding="utf-8"?>
+<p:sld xmlns:a="http://schemas.openxmlformats.org/drawingml/2006/main" xmlns:r="http://schemas.openxmlformats.org/officeDocument/2006/relationships" xmlns:p="http://schemas.openxmlformats.org/presentationml/2006/main" show="0">
+  <p:cSld>
+    <p:spTree>
+      <p:nvGrpSpPr>
+        <p:cNvPr id="1" name=""/>
+        <p:cNvGrpSpPr/>
+        <p:nvPr/>
+      </p:nvGrpSpPr>
+      <p:grpSpPr>
+        <a:xfrm>
+          <a:off x="0" y="0"/>
+          <a:ext cx="0" cy="0"/>
+          <a:chOff x="0" y="0"/>
+          <a:chExt cx="0" cy="0"/>
+        </a:xfrm>
+      </p:grpSpPr>
+      <p:sp>
+        <p:nvSpPr>
+          <p:cNvPr id="2" name="Прямоугольник 1"/>
+          <p:cNvSpPr/>
+          <p:nvPr/>
+        </p:nvSpPr>
+        <p:spPr>
+          <a:xfrm>
+            <a:off x="971600" y="985292"/>
+            <a:ext cx="2520280" cy="1224136"/>
+          </a:xfrm>
+          <a:prstGeom prst="rect">
+            <a:avLst/>
+          </a:prstGeom>
+          <a:ln>
+            <a:noFill/>
+          </a:ln>
+        </p:spPr>
+        <p:style>
+          <a:lnRef idx="2">
+            <a:schemeClr val="accent3">
+              <a:shade val="50000"/>
+            </a:schemeClr>
+          </a:lnRef>
+          <a:fillRef idx="1">
+            <a:schemeClr val="accent3"/>
+          </a:fillRef>
+          <a:effectRef idx="0">
+            <a:schemeClr val="accent3"/>
+          </a:effectRef>
+          <a:fontRef idx="minor">
+            <a:schemeClr val="lt1"/>
+          </a:fontRef>
+        </p:style>
+        <p:txBody>
+          <a:bodyPr rtlCol="0" anchor="ctr"/>
+          <a:lstStyle/>
+          <a:p>
+            <a:pPr algn="ctr"/>
+            <a:endParaRPr lang="ru-RU"/>
+          </a:p>
+        </p:txBody>
+      </p:sp>
+      <p:sp>
+        <p:nvSpPr>
+          <p:cNvPr id="3" name="Прямоугольник 2"/>
+          <p:cNvSpPr/>
+          <p:nvPr/>
+        </p:nvSpPr>
+        <p:spPr>
+          <a:xfrm>
+            <a:off x="928089" y="2836788"/>
+            <a:ext cx="2520280" cy="1224136"/>
+          </a:xfrm>
+          <a:prstGeom prst="rect">
+            <a:avLst/>
+          </a:prstGeom>
+          <a:ln>
+            <a:noFill/>
+          </a:ln>
+        </p:spPr>
+        <p:style>
+          <a:lnRef idx="2">
+            <a:schemeClr val="accent1">
+              <a:shade val="50000"/>
+            </a:schemeClr>
+          </a:lnRef>
+          <a:fillRef idx="1">
+            <a:schemeClr val="accent1"/>
+          </a:fillRef>
+          <a:effectRef idx="0">
+            <a:schemeClr val="accent1"/>
+          </a:effectRef>
+          <a:fontRef idx="minor">
+            <a:schemeClr val="lt1"/>
+          </a:fontRef>
+        </p:style>
+        <p:txBody>
+          <a:bodyPr rtlCol="0" anchor="ctr"/>
+          <a:lstStyle/>
+          <a:p>
+            <a:pPr algn="ctr"/>
+            <a:endParaRPr lang="ru-RU"/>
+          </a:p>
+        </p:txBody>
+      </p:sp>
+      <p:sp>
+        <p:nvSpPr>
+          <p:cNvPr id="5" name="Прямоугольник 4"/>
+          <p:cNvSpPr/>
+          <p:nvPr/>
+        </p:nvSpPr>
+        <p:spPr>
+          <a:xfrm>
+            <a:off x="4283968" y="769268"/>
+            <a:ext cx="2520280" cy="1224136"/>
+          </a:xfrm>
+          <a:prstGeom prst="rect">
+            <a:avLst/>
+          </a:prstGeom>
+          <a:ln/>
+        </p:spPr>
+        <p:style>
+          <a:lnRef idx="2">
+            <a:schemeClr val="accent2">
+              <a:shade val="50000"/>
+            </a:schemeClr>
+          </a:lnRef>
+          <a:fillRef idx="1">
+            <a:schemeClr val="accent2"/>
+          </a:fillRef>
+          <a:effectRef idx="0">
+            <a:schemeClr val="accent2"/>
+          </a:effectRef>
+          <a:fontRef idx="minor">
+            <a:schemeClr val="lt1"/>
+          </a:fontRef>
+        </p:style>
+        <p:txBody>
+          <a:bodyPr rtlCol="0" anchor="ctr"/>
+          <a:lstStyle/>
+          <a:p>
+            <a:pPr algn="ctr"/>
+            <a:endParaRPr lang="ru-RU" dirty="0"/>
+          </a:p>
+        </p:txBody>
+      </p:sp>
+    </p:spTree>
+    <p:extLst>
+      <p:ext uri="{BB962C8B-B14F-4D97-AF65-F5344CB8AC3E}">
+        <p14:creationId xmlns:p14="http://schemas.microsoft.com/office/powerpoint/2010/main" val="1146229710"/>
+      </p:ext>
+    </p:extLst>
+  </p:cSld>
+  <p:clrMapOvr>
+    <a:masterClrMapping/>
+  </p:clrMapOvr>
+  <mc:AlternateContent xmlns:mc="http://schemas.openxmlformats.org/markup-compatibility/2006">
+    <mc:Choice xmlns:p14="http://schemas.microsoft.com/office/powerpoint/2010/main" Requires="p14">
+      <p:transition spd="slow" p14:dur="2000"/>
+    </mc:Choice>
+    <mc:Fallback>
+      <p:transition spd="slow"/>
+    </mc:Fallback>
+  </mc:AlternateContent>
+  <p:timing>
+    <p:tnLst>
+      <p:par>
+        <p:cTn id="1" dur="indefinite" restart="never" nodeType="tmRoot"/>
+      </p:par>
+    </p:tnLst>
+  </p:timing>
 </p:sld>
 </file>
 
 <file path=ppt/theme/theme1.xml><?xml version="1.0" encoding="utf-8"?>
 <a:theme xmlns:a="http://schemas.openxmlformats.org/drawingml/2006/main" name="Тема Office">
   <a:themeElements>
-    <a:clrScheme name="Стандартная">
+    <a:clrScheme name="DAPK">
       <a:dk1>
-        <a:sysClr val="windowText" lastClr="000000"/>
+        <a:srgbClr val="1C0221"/>
       </a:dk1>
       <a:lt1>
-        <a:sysClr val="window" lastClr="FFFFFF"/>
+        <a:srgbClr val="F0EDEE"/>
       </a:lt1>
       <a:dk2>
-        <a:srgbClr val="1F497D"/>
+        <a:srgbClr val="4C5C68"/>
       </a:dk2>
       <a:lt2>
-        <a:srgbClr val="EEECE1"/>
+        <a:srgbClr val="4EA699"/>
       </a:lt2>
       <a:accent1>
-        <a:srgbClr val="4F81BD"/>
+        <a:srgbClr val="4C5C68"/>
       </a:accent1>
       <a:accent2>
-        <a:srgbClr val="C0504D"/>
+        <a:srgbClr val="1C0221"/>
       </a:accent2>
       <a:accent3>
-        <a:srgbClr val="9BBB59"/>
+        <a:srgbClr val="4EA699"/>
       </a:accent3>
       <a:accent4>
-        <a:srgbClr val="8064A2"/>
+        <a:srgbClr val="4C5C68"/>
       </a:accent4>
       <a:accent5>
-        <a:srgbClr val="4BACC6"/>
+        <a:srgbClr val="1C0221"/>
       </a:accent5>
       <a:accent6>
-        <a:srgbClr val="F79646"/>
+        <a:srgbClr val="4EA699"/>
       </a:accent6>
       <a:hlink>
         <a:srgbClr val="0000FF"/>
